--- a/readme.pptx
+++ b/readme.pptx
@@ -5,7 +5,7 @@
     <p:sldMasterId id="2147483648" r:id="rId1"/>
   </p:sldMasterIdLst>
   <p:notesMasterIdLst>
-    <p:notesMasterId r:id="rId14"/>
+    <p:notesMasterId r:id="rId24"/>
   </p:notesMasterIdLst>
   <p:sldIdLst>
     <p:sldId id="256" r:id="rId2"/>
@@ -17,9 +17,19 @@
     <p:sldId id="262" r:id="rId8"/>
     <p:sldId id="263" r:id="rId9"/>
     <p:sldId id="264" r:id="rId10"/>
-    <p:sldId id="265" r:id="rId11"/>
-    <p:sldId id="266" r:id="rId12"/>
-    <p:sldId id="267" r:id="rId13"/>
+    <p:sldId id="268" r:id="rId11"/>
+    <p:sldId id="275" r:id="rId12"/>
+    <p:sldId id="265" r:id="rId13"/>
+    <p:sldId id="270" r:id="rId14"/>
+    <p:sldId id="271" r:id="rId15"/>
+    <p:sldId id="276" r:id="rId16"/>
+    <p:sldId id="274" r:id="rId17"/>
+    <p:sldId id="266" r:id="rId18"/>
+    <p:sldId id="269" r:id="rId19"/>
+    <p:sldId id="278" r:id="rId20"/>
+    <p:sldId id="272" r:id="rId21"/>
+    <p:sldId id="273" r:id="rId22"/>
+    <p:sldId id="277" r:id="rId23"/>
   </p:sldIdLst>
   <p:sldSz cx="9144000" cy="6858000" type="screen4x3"/>
   <p:notesSz cx="6858000" cy="9144000"/>
@@ -254,7 +264,7 @@
   </p:defaultTextStyle>
   <p:extLst>
     <p:ext uri="{EFAFB233-063F-42B5-8137-9DF3F51BA10A}">
-      <p15:sldGuideLst xmlns:ahyp="http://schemas.microsoft.com/office/drawing/2018/hyperlinkcolor" xmlns:p15="http://schemas.microsoft.com/office/powerpoint/2012/main" xmlns:p14="http://schemas.microsoft.com/office/powerpoint/2010/main" xmlns:com="http://schemas.openxmlformats.org/drawingml/2006/compatibility" xmlns:pvml="urn:schemas-microsoft-com:office:powerpoint" xmlns:v="urn:schemas-microsoft-com:vml" xmlns:o="urn:schemas-microsoft-com:office:office" xmlns:dgm="http://schemas.openxmlformats.org/drawingml/2006/diagram" xmlns:c="http://schemas.openxmlformats.org/drawingml/2006/chart" xmlns:mv="urn:schemas-microsoft-com:mac:vml" xmlns:mc="http://schemas.openxmlformats.org/markup-compatibility/2006" xmlns="">
+      <p15:sldGuideLst xmlns:p15="http://schemas.microsoft.com/office/powerpoint/2012/main">
         <p15:guide id="1" orient="horz" pos="2160">
           <p15:clr>
             <a:srgbClr val="000000"/>
@@ -268,10 +278,18 @@
       </p15:sldGuideLst>
     </p:ext>
     <p:ext uri="GoogleSlidesCustomDataVersion2">
-      <go:slidesCustomData xmlns:go="http://customooxmlschemas.google.com/" xmlns:ahyp="http://schemas.microsoft.com/office/drawing/2018/hyperlinkcolor" xmlns:p15="http://schemas.microsoft.com/office/powerpoint/2012/main" xmlns:p14="http://schemas.microsoft.com/office/powerpoint/2010/main" xmlns:com="http://schemas.openxmlformats.org/drawingml/2006/compatibility" xmlns:pvml="urn:schemas-microsoft-com:office:powerpoint" xmlns:v="urn:schemas-microsoft-com:vml" xmlns:o="urn:schemas-microsoft-com:office:office" xmlns:dgm="http://schemas.openxmlformats.org/drawingml/2006/diagram" xmlns:c="http://schemas.openxmlformats.org/drawingml/2006/chart" xmlns:mv="urn:schemas-microsoft-com:mac:vml" xmlns:mc="http://schemas.openxmlformats.org/markup-compatibility/2006" xmlns="" r:id="rId18" roundtripDataSignature="AMtx7miyFwCYxObNU5cGMatlPI+eABwlWw=="/>
+      <go:slidesCustomData xmlns:go="http://customooxmlschemas.google.com/" xmlns:ahyp="http://schemas.microsoft.com/office/drawing/2018/hyperlinkcolor" xmlns:p15="http://schemas.microsoft.com/office/powerpoint/2012/main" xmlns:p14="http://schemas.microsoft.com/office/powerpoint/2010/main" xmlns:com="http://schemas.openxmlformats.org/drawingml/2006/compatibility" xmlns:pvml="urn:schemas-microsoft-com:office:powerpoint" xmlns:v="urn:schemas-microsoft-com:vml" xmlns:o="urn:schemas-microsoft-com:office:office" xmlns:dgm="http://schemas.openxmlformats.org/drawingml/2006/diagram" xmlns:c="http://schemas.openxmlformats.org/drawingml/2006/chart" xmlns:mv="urn:schemas-microsoft-com:mac:vml" xmlns:mc="http://schemas.openxmlformats.org/markup-compatibility/2006" xmlns="" r:id="rId25" roundtripDataSignature="AMtx7miyFwCYxObNU5cGMatlPI+eABwlWw=="/>
     </p:ext>
   </p:extLst>
 </p:presentation>
+</file>
+
+<file path=ppt/revisionInfo.xml><?xml version="1.0" encoding="utf-8"?>
+<p1510:revInfo xmlns:a="http://schemas.openxmlformats.org/drawingml/2006/main" xmlns:r="http://schemas.openxmlformats.org/officeDocument/2006/relationships" xmlns:p1510="http://schemas.microsoft.com/office/powerpoint/2015/10/main">
+  <p1510:revLst>
+    <p1510:client id="{1219CD8E-EA4A-4FF3-9C0F-526A7CB1090E}" v="2288" dt="2025-08-28T12:40:58.043"/>
+  </p1510:revLst>
+</p1510:revInfo>
 </file>
 
 <file path=ppt/notesMasters/notesMaster1.xml><?xml version="1.0" encoding="utf-8"?>
@@ -995,112 +1013,8 @@
         </p:nvSpPr>
         <p:spPr>
           <a:xfrm>
-            <a:off x="1143225" y="685800"/>
-            <a:ext cx="4572225" cy="3429000"/>
-          </a:xfrm>
-          <a:custGeom>
-            <a:avLst/>
-            <a:gdLst/>
-            <a:ahLst/>
-            <a:cxnLst/>
-            <a:rect l="l" t="t" r="r" b="b"/>
-            <a:pathLst>
-              <a:path w="120000" h="120000" extrusionOk="0">
-                <a:moveTo>
-                  <a:pt x="0" y="0"/>
-                </a:moveTo>
-                <a:lnTo>
-                  <a:pt x="120000" y="0"/>
-                </a:lnTo>
-                <a:lnTo>
-                  <a:pt x="120000" y="120000"/>
-                </a:lnTo>
-                <a:lnTo>
-                  <a:pt x="0" y="120000"/>
-                </a:lnTo>
-                <a:close/>
-              </a:path>
-            </a:pathLst>
-          </a:custGeom>
-        </p:spPr>
-      </p:sp>
-    </p:spTree>
-  </p:cSld>
-  <p:clrMapOvr>
-    <a:masterClrMapping/>
-  </p:clrMapOvr>
-</p:notes>
-</file>
-
-<file path=ppt/notesSlides/notesSlide12.xml><?xml version="1.0" encoding="utf-8"?>
-<p:notes xmlns:a="http://schemas.openxmlformats.org/drawingml/2006/main" xmlns:r="http://schemas.openxmlformats.org/officeDocument/2006/relationships" xmlns:p="http://schemas.openxmlformats.org/presentationml/2006/main" showMasterSp="0" showMasterPhAnim="0">
-  <p:cSld>
-    <p:spTree>
-      <p:nvGrpSpPr>
-        <p:cNvPr id="1" name="Shape 142"/>
-        <p:cNvGrpSpPr/>
-        <p:nvPr/>
-      </p:nvGrpSpPr>
-      <p:grpSpPr>
-        <a:xfrm>
-          <a:off x="0" y="0"/>
-          <a:ext cx="0" cy="0"/>
-          <a:chOff x="0" y="0"/>
-          <a:chExt cx="0" cy="0"/>
-        </a:xfrm>
-      </p:grpSpPr>
-      <p:sp>
-        <p:nvSpPr>
-          <p:cNvPr id="143" name="Google Shape;143;p12:notes"/>
-          <p:cNvSpPr txBox="1">
-            <a:spLocks noGrp="1"/>
-          </p:cNvSpPr>
-          <p:nvPr>
-            <p:ph type="body" idx="1"/>
-          </p:nvPr>
-        </p:nvSpPr>
-        <p:spPr>
-          <a:xfrm>
-            <a:off x="685800" y="4343400"/>
-            <a:ext cx="5486400" cy="4114800"/>
-          </a:xfrm>
-          <a:prstGeom prst="rect">
-            <a:avLst/>
-          </a:prstGeom>
-        </p:spPr>
-        <p:txBody>
-          <a:bodyPr spcFirstLastPara="1" wrap="square" lIns="91425" tIns="91425" rIns="91425" bIns="91425" anchor="t" anchorCtr="0">
-            <a:noAutofit/>
-          </a:bodyPr>
-          <a:lstStyle/>
-          <a:p>
-            <a:pPr marL="0" lvl="0" indent="0" algn="l" rtl="0">
-              <a:spcBef>
-                <a:spcPts val="0"/>
-              </a:spcBef>
-              <a:spcAft>
-                <a:spcPts val="0"/>
-              </a:spcAft>
-              <a:buNone/>
-            </a:pPr>
-            <a:endParaRPr/>
-          </a:p>
-        </p:txBody>
-      </p:sp>
-      <p:sp>
-        <p:nvSpPr>
-          <p:cNvPr id="144" name="Google Shape;144;p12:notes"/>
-          <p:cNvSpPr>
-            <a:spLocks noGrp="1" noRot="1" noChangeAspect="1"/>
-          </p:cNvSpPr>
-          <p:nvPr>
-            <p:ph type="sldImg" idx="2"/>
-          </p:nvPr>
-        </p:nvSpPr>
-        <p:spPr>
-          <a:xfrm>
-            <a:off x="1143225" y="685800"/>
-            <a:ext cx="4572225" cy="3429000"/>
+            <a:off x="1143000" y="685800"/>
+            <a:ext cx="4572000" cy="3429000"/>
           </a:xfrm>
           <a:custGeom>
             <a:avLst/>
@@ -11882,52 +11796,32 @@
           <a:lstStyle/>
           <a:p>
             <a:r>
-              <a:rPr lang="en-US" dirty="0" smtClean="0"/>
-              <a:t>Visit </a:t>
-            </a:r>
-            <a:r>
               <a:rPr lang="en-US" dirty="0"/>
-              <a:t>site: </a:t>
+              <a:t>Visit site: </a:t>
             </a:r>
             <a:r>
               <a:rPr lang="en-US" dirty="0">
                 <a:hlinkClick r:id="rId3"/>
               </a:rPr>
-              <a:t>https://ramandeep-recipe-book.netlify.app</a:t>
-            </a:r>
-            <a:r>
-              <a:rPr lang="en-US" dirty="0" smtClean="0">
-                <a:hlinkClick r:id="rId3"/>
-              </a:rPr>
-              <a:t>/</a:t>
-            </a:r>
-            <a:endParaRPr lang="en-US" dirty="0" smtClean="0"/>
-          </a:p>
-          <a:p>
+              <a:t>https://ramandeep-recipe-book.netlify.app/</a:t>
+            </a:r>
             <a:endParaRPr lang="en-US" dirty="0"/>
           </a:p>
           <a:p>
-            <a:r>
-              <a:rPr lang="en-US" dirty="0" smtClean="0"/>
-              <a:t>Source code</a:t>
-            </a:r>
+            <a:endParaRPr lang="en-US" dirty="0"/>
+          </a:p>
+          <a:p>
             <a:r>
               <a:rPr lang="en-US" dirty="0"/>
-              <a:t>: </a:t>
+              <a:t>Source code: </a:t>
             </a:r>
             <a:r>
               <a:rPr lang="en-US" dirty="0">
                 <a:hlinkClick r:id="rId4"/>
               </a:rPr>
-              <a:t>https://</a:t>
-            </a:r>
-            <a:r>
-              <a:rPr lang="en-US" dirty="0" smtClean="0">
-                <a:hlinkClick r:id="rId4"/>
-              </a:rPr>
-              <a:t>github.com/RamandeepChamba/recipe-book</a:t>
-            </a:r>
-            <a:endParaRPr lang="en-US" dirty="0" smtClean="0"/>
+              <a:t>https://github.com/RamandeepChamba/recipe-book</a:t>
+            </a:r>
+            <a:endParaRPr lang="en-US" dirty="0"/>
           </a:p>
           <a:p>
             <a:endParaRPr lang="en-IN" dirty="0"/>
@@ -11943,6 +11837,187 @@
 </file>
 
 <file path=ppt/slides/slide10.xml><?xml version="1.0" encoding="utf-8"?>
+<p:sld xmlns:a="http://schemas.openxmlformats.org/drawingml/2006/main" xmlns:r="http://schemas.openxmlformats.org/officeDocument/2006/relationships" xmlns:p="http://schemas.openxmlformats.org/presentationml/2006/main">
+  <p:cSld>
+    <p:spTree>
+      <p:nvGrpSpPr>
+        <p:cNvPr id="1" name=""/>
+        <p:cNvGrpSpPr/>
+        <p:nvPr/>
+      </p:nvGrpSpPr>
+      <p:grpSpPr>
+        <a:xfrm>
+          <a:off x="0" y="0"/>
+          <a:ext cx="0" cy="0"/>
+          <a:chOff x="0" y="0"/>
+          <a:chExt cx="0" cy="0"/>
+        </a:xfrm>
+      </p:grpSpPr>
+      <p:sp>
+        <p:nvSpPr>
+          <p:cNvPr id="2" name="Title 1">
+            <a:extLst>
+              <a:ext uri="{FF2B5EF4-FFF2-40B4-BE49-F238E27FC236}">
+                <a16:creationId xmlns:a16="http://schemas.microsoft.com/office/drawing/2014/main" id="{F314AAC7-BAFD-2F73-224E-05B4091B9402}"/>
+              </a:ext>
+            </a:extLst>
+          </p:cNvPr>
+          <p:cNvSpPr>
+            <a:spLocks noGrp="1"/>
+          </p:cNvSpPr>
+          <p:nvPr>
+            <p:ph type="title"/>
+          </p:nvPr>
+        </p:nvSpPr>
+        <p:spPr>
+          <a:xfrm>
+            <a:off x="457200" y="274638"/>
+            <a:ext cx="8229600" cy="6291072"/>
+          </a:xfrm>
+        </p:spPr>
+        <p:txBody>
+          <a:bodyPr/>
+          <a:lstStyle/>
+          <a:p>
+            <a:r>
+              <a:rPr lang="en-US" b="1" dirty="0"/>
+              <a:t>How to use app</a:t>
+            </a:r>
+          </a:p>
+        </p:txBody>
+      </p:sp>
+    </p:spTree>
+    <p:extLst>
+      <p:ext uri="{BB962C8B-B14F-4D97-AF65-F5344CB8AC3E}">
+        <p14:creationId xmlns:p14="http://schemas.microsoft.com/office/powerpoint/2010/main" val="1038739985"/>
+      </p:ext>
+    </p:extLst>
+  </p:cSld>
+  <p:clrMapOvr>
+    <a:masterClrMapping/>
+  </p:clrMapOvr>
+</p:sld>
+</file>
+
+<file path=ppt/slides/slide11.xml><?xml version="1.0" encoding="utf-8"?>
+<p:sld xmlns:a="http://schemas.openxmlformats.org/drawingml/2006/main" xmlns:r="http://schemas.openxmlformats.org/officeDocument/2006/relationships" xmlns:p="http://schemas.openxmlformats.org/presentationml/2006/main">
+  <p:cSld>
+    <p:spTree>
+      <p:nvGrpSpPr>
+        <p:cNvPr id="1" name=""/>
+        <p:cNvGrpSpPr/>
+        <p:nvPr/>
+      </p:nvGrpSpPr>
+      <p:grpSpPr>
+        <a:xfrm>
+          <a:off x="0" y="0"/>
+          <a:ext cx="0" cy="0"/>
+          <a:chOff x="0" y="0"/>
+          <a:chExt cx="0" cy="0"/>
+        </a:xfrm>
+      </p:grpSpPr>
+      <p:sp>
+        <p:nvSpPr>
+          <p:cNvPr id="2" name="Title 1">
+            <a:extLst>
+              <a:ext uri="{FF2B5EF4-FFF2-40B4-BE49-F238E27FC236}">
+                <a16:creationId xmlns:a16="http://schemas.microsoft.com/office/drawing/2014/main" id="{03CBF033-44AE-CD81-595E-899216A173EF}"/>
+              </a:ext>
+            </a:extLst>
+          </p:cNvPr>
+          <p:cNvSpPr>
+            <a:spLocks noGrp="1"/>
+          </p:cNvSpPr>
+          <p:nvPr>
+            <p:ph type="title"/>
+          </p:nvPr>
+        </p:nvSpPr>
+        <p:spPr/>
+        <p:txBody>
+          <a:bodyPr/>
+          <a:lstStyle/>
+          <a:p>
+            <a:r>
+              <a:rPr lang="en-US" b="1" dirty="0"/>
+              <a:t>Add a recipe</a:t>
+            </a:r>
+          </a:p>
+        </p:txBody>
+      </p:sp>
+      <p:sp>
+        <p:nvSpPr>
+          <p:cNvPr id="3" name="Text Placeholder 2">
+            <a:extLst>
+              <a:ext uri="{FF2B5EF4-FFF2-40B4-BE49-F238E27FC236}">
+                <a16:creationId xmlns:a16="http://schemas.microsoft.com/office/drawing/2014/main" id="{BE18FAE4-2265-C0E3-2EE0-4E892024B059}"/>
+              </a:ext>
+            </a:extLst>
+          </p:cNvPr>
+          <p:cNvSpPr>
+            <a:spLocks noGrp="1"/>
+          </p:cNvSpPr>
+          <p:nvPr>
+            <p:ph type="body" idx="1"/>
+          </p:nvPr>
+        </p:nvSpPr>
+        <p:spPr/>
+        <p:txBody>
+          <a:bodyPr/>
+          <a:lstStyle/>
+          <a:p>
+            <a:r>
+              <a:rPr lang="en-US" dirty="0"/>
+              <a:t>Click "Add Recipe" button in header.</a:t>
+            </a:r>
+          </a:p>
+          <a:p>
+            <a:r>
+              <a:rPr lang="en-US" dirty="0"/>
+              <a:t>Will take you to "/</a:t>
+            </a:r>
+            <a:r>
+              <a:rPr lang="en-US" dirty="0" err="1"/>
+              <a:t>addRecipe</a:t>
+            </a:r>
+            <a:r>
+              <a:rPr lang="en-US" dirty="0"/>
+              <a:t>" route.</a:t>
+            </a:r>
+          </a:p>
+          <a:p>
+            <a:r>
+              <a:rPr lang="en-US" dirty="0"/>
+              <a:t>Will show add recipe form.</a:t>
+            </a:r>
+          </a:p>
+          <a:p>
+            <a:r>
+              <a:rPr lang="en-US" dirty="0"/>
+              <a:t>Provide name, finished image of recipe, ingredients and steps and submit.</a:t>
+            </a:r>
+          </a:p>
+          <a:p>
+            <a:r>
+              <a:rPr lang="en-US" dirty="0"/>
+              <a:t>Will add recipe, and redirect you to your newly added recipe's details page.</a:t>
+            </a:r>
+          </a:p>
+        </p:txBody>
+      </p:sp>
+    </p:spTree>
+    <p:extLst>
+      <p:ext uri="{BB962C8B-B14F-4D97-AF65-F5344CB8AC3E}">
+        <p14:creationId xmlns:p14="http://schemas.microsoft.com/office/powerpoint/2010/main" val="3524402125"/>
+      </p:ext>
+    </p:extLst>
+  </p:cSld>
+  <p:clrMapOvr>
+    <a:masterClrMapping/>
+  </p:clrMapOvr>
+</p:sld>
+</file>
+
+<file path=ppt/slides/slide12.xml><?xml version="1.0" encoding="utf-8"?>
 <p:sld xmlns:a="http://schemas.openxmlformats.org/drawingml/2006/main" xmlns:r="http://schemas.openxmlformats.org/officeDocument/2006/relationships" xmlns:p="http://schemas.openxmlformats.org/presentationml/2006/main">
   <p:cSld>
     <p:spTree>
@@ -12148,7 +12223,471 @@
 </p:sld>
 </file>
 
-<file path=ppt/slides/slide11.xml><?xml version="1.0" encoding="utf-8"?>
+<file path=ppt/slides/slide13.xml><?xml version="1.0" encoding="utf-8"?>
+<p:sld xmlns:a="http://schemas.openxmlformats.org/drawingml/2006/main" xmlns:r="http://schemas.openxmlformats.org/officeDocument/2006/relationships" xmlns:p="http://schemas.openxmlformats.org/presentationml/2006/main">
+  <p:cSld>
+    <p:spTree>
+      <p:nvGrpSpPr>
+        <p:cNvPr id="1" name=""/>
+        <p:cNvGrpSpPr/>
+        <p:nvPr/>
+      </p:nvGrpSpPr>
+      <p:grpSpPr>
+        <a:xfrm>
+          <a:off x="0" y="0"/>
+          <a:ext cx="0" cy="0"/>
+          <a:chOff x="0" y="0"/>
+          <a:chExt cx="0" cy="0"/>
+        </a:xfrm>
+      </p:grpSpPr>
+      <p:sp>
+        <p:nvSpPr>
+          <p:cNvPr id="2" name="Title 1">
+            <a:extLst>
+              <a:ext uri="{FF2B5EF4-FFF2-40B4-BE49-F238E27FC236}">
+                <a16:creationId xmlns:a16="http://schemas.microsoft.com/office/drawing/2014/main" id="{FFA200B9-F818-BA80-0708-1A786DE96B65}"/>
+              </a:ext>
+            </a:extLst>
+          </p:cNvPr>
+          <p:cNvSpPr>
+            <a:spLocks noGrp="1"/>
+          </p:cNvSpPr>
+          <p:nvPr>
+            <p:ph type="title"/>
+          </p:nvPr>
+        </p:nvSpPr>
+        <p:spPr/>
+        <p:txBody>
+          <a:bodyPr/>
+          <a:lstStyle/>
+          <a:p>
+            <a:r>
+              <a:rPr lang="en-US" b="1" dirty="0"/>
+              <a:t>Searching recipes</a:t>
+            </a:r>
+          </a:p>
+        </p:txBody>
+      </p:sp>
+      <p:sp>
+        <p:nvSpPr>
+          <p:cNvPr id="3" name="Text Placeholder 2">
+            <a:extLst>
+              <a:ext uri="{FF2B5EF4-FFF2-40B4-BE49-F238E27FC236}">
+                <a16:creationId xmlns:a16="http://schemas.microsoft.com/office/drawing/2014/main" id="{1EE79C62-403D-D324-5461-DC6465CD02BE}"/>
+              </a:ext>
+            </a:extLst>
+          </p:cNvPr>
+          <p:cNvSpPr>
+            <a:spLocks noGrp="1"/>
+          </p:cNvSpPr>
+          <p:nvPr>
+            <p:ph type="body" idx="1"/>
+          </p:nvPr>
+        </p:nvSpPr>
+        <p:spPr/>
+        <p:txBody>
+          <a:bodyPr>
+            <a:normAutofit fontScale="85000" lnSpcReduction="10000"/>
+          </a:bodyPr>
+          <a:lstStyle/>
+          <a:p>
+            <a:r>
+              <a:rPr lang="en-US" dirty="0"/>
+              <a:t>In header you can search recipe using input field.</a:t>
+            </a:r>
+          </a:p>
+          <a:p>
+            <a:r>
+              <a:rPr lang="en-US" dirty="0"/>
+              <a:t>You can search by keyword or ingredients.</a:t>
+            </a:r>
+          </a:p>
+          <a:p>
+            <a:r>
+              <a:rPr lang="en-US" dirty="0"/>
+              <a:t>By Keyword:</a:t>
+            </a:r>
+          </a:p>
+          <a:p>
+            <a:pPr lvl="1">
+              <a:buFont typeface="Courier New"/>
+              <a:buChar char="o"/>
+            </a:pPr>
+            <a:r>
+              <a:rPr lang="en-US" dirty="0"/>
+              <a:t>Accepts a keyword.</a:t>
+            </a:r>
+          </a:p>
+          <a:p>
+            <a:pPr lvl="1">
+              <a:buFont typeface="Courier New"/>
+              <a:buChar char="o"/>
+            </a:pPr>
+            <a:r>
+              <a:rPr lang="en-US" dirty="0"/>
+              <a:t>Looks for keyword in recipe's name and steps.</a:t>
+            </a:r>
+          </a:p>
+          <a:p>
+            <a:pPr lvl="1">
+              <a:buFont typeface="Courier New"/>
+              <a:buChar char="o"/>
+            </a:pPr>
+            <a:r>
+              <a:rPr lang="en-US" dirty="0"/>
+              <a:t>Case insensitive.</a:t>
+            </a:r>
+          </a:p>
+          <a:p>
+            <a:pPr indent="-285750"/>
+            <a:r>
+              <a:rPr lang="en-US" dirty="0"/>
+              <a:t>By Ingredients:</a:t>
+            </a:r>
+          </a:p>
+          <a:p>
+            <a:pPr lvl="1">
+              <a:buFont typeface="Courier New"/>
+              <a:buChar char="o"/>
+            </a:pPr>
+            <a:r>
+              <a:rPr lang="en-US" dirty="0"/>
+              <a:t>Accepts one or more ingredients and look for them in recipe.</a:t>
+            </a:r>
+          </a:p>
+          <a:p>
+            <a:pPr lvl="1">
+              <a:buFont typeface="Courier New"/>
+              <a:buChar char="o"/>
+            </a:pPr>
+            <a:r>
+              <a:rPr lang="en-US" dirty="0"/>
+              <a:t>Match all ingredients (recipe should have all ingredients)</a:t>
+            </a:r>
+          </a:p>
+          <a:p>
+            <a:pPr lvl="2">
+              <a:buFont typeface="Wingdings"/>
+              <a:buChar char="§"/>
+            </a:pPr>
+            <a:r>
+              <a:rPr lang="en-US" dirty="0"/>
+              <a:t>Search Query: "tomato + onion + sugar"</a:t>
+            </a:r>
+          </a:p>
+        </p:txBody>
+      </p:sp>
+    </p:spTree>
+    <p:extLst>
+      <p:ext uri="{BB962C8B-B14F-4D97-AF65-F5344CB8AC3E}">
+        <p14:creationId xmlns:p14="http://schemas.microsoft.com/office/powerpoint/2010/main" val="4279568156"/>
+      </p:ext>
+    </p:extLst>
+  </p:cSld>
+  <p:clrMapOvr>
+    <a:masterClrMapping/>
+  </p:clrMapOvr>
+</p:sld>
+</file>
+
+<file path=ppt/slides/slide14.xml><?xml version="1.0" encoding="utf-8"?>
+<p:sld xmlns:a="http://schemas.openxmlformats.org/drawingml/2006/main" xmlns:r="http://schemas.openxmlformats.org/officeDocument/2006/relationships" xmlns:p="http://schemas.openxmlformats.org/presentationml/2006/main">
+  <p:cSld>
+    <p:spTree>
+      <p:nvGrpSpPr>
+        <p:cNvPr id="1" name=""/>
+        <p:cNvGrpSpPr/>
+        <p:nvPr/>
+      </p:nvGrpSpPr>
+      <p:grpSpPr>
+        <a:xfrm>
+          <a:off x="0" y="0"/>
+          <a:ext cx="0" cy="0"/>
+          <a:chOff x="0" y="0"/>
+          <a:chExt cx="0" cy="0"/>
+        </a:xfrm>
+      </p:grpSpPr>
+      <p:sp>
+        <p:nvSpPr>
+          <p:cNvPr id="3" name="Text Placeholder 2">
+            <a:extLst>
+              <a:ext uri="{FF2B5EF4-FFF2-40B4-BE49-F238E27FC236}">
+                <a16:creationId xmlns:a16="http://schemas.microsoft.com/office/drawing/2014/main" id="{23D8C617-25DA-52F7-BCF2-E33F9252191E}"/>
+              </a:ext>
+            </a:extLst>
+          </p:cNvPr>
+          <p:cNvSpPr>
+            <a:spLocks noGrp="1"/>
+          </p:cNvSpPr>
+          <p:nvPr>
+            <p:ph type="body" idx="1"/>
+          </p:nvPr>
+        </p:nvSpPr>
+        <p:spPr>
+          <a:xfrm>
+            <a:off x="457200" y="777240"/>
+            <a:ext cx="8229600" cy="5348923"/>
+          </a:xfrm>
+        </p:spPr>
+        <p:txBody>
+          <a:bodyPr>
+            <a:normAutofit/>
+          </a:bodyPr>
+          <a:lstStyle/>
+          <a:p>
+            <a:pPr lvl="1">
+              <a:buFont typeface="Courier New"/>
+              <a:buChar char="o"/>
+            </a:pPr>
+            <a:r>
+              <a:rPr lang="en-US" dirty="0"/>
+              <a:t>Match any:</a:t>
+            </a:r>
+          </a:p>
+          <a:p>
+            <a:pPr lvl="2">
+              <a:buFont typeface="Wingdings"/>
+              <a:buChar char="§"/>
+            </a:pPr>
+            <a:r>
+              <a:rPr lang="en-US" dirty="0"/>
+              <a:t>Search Query: "tomato, onion, sugar"</a:t>
+            </a:r>
+          </a:p>
+          <a:p>
+            <a:pPr lvl="1">
+              <a:buFont typeface="Courier New"/>
+              <a:buChar char="o"/>
+            </a:pPr>
+            <a:r>
+              <a:rPr lang="en-US" dirty="0"/>
+              <a:t>Just one ingredient</a:t>
+            </a:r>
+          </a:p>
+          <a:p>
+            <a:pPr lvl="2">
+              <a:buFont typeface="Wingdings"/>
+              <a:buChar char="§"/>
+            </a:pPr>
+            <a:r>
+              <a:rPr lang="en-US" dirty="0"/>
+              <a:t>Search Query: "tomato"</a:t>
+            </a:r>
+          </a:p>
+          <a:p>
+            <a:pPr lvl="1">
+              <a:buFont typeface="Courier New"/>
+              <a:buChar char="o"/>
+            </a:pPr>
+            <a:r>
+              <a:rPr lang="en-US" dirty="0"/>
+              <a:t>Case insensitive</a:t>
+            </a:r>
+          </a:p>
+          <a:p>
+            <a:pPr lvl="1">
+              <a:buFont typeface="Courier New"/>
+              <a:buChar char="o"/>
+            </a:pPr>
+            <a:endParaRPr lang="en-US" dirty="0"/>
+          </a:p>
+          <a:p>
+            <a:pPr indent="-285750"/>
+            <a:r>
+              <a:rPr lang="en-US" dirty="0"/>
+              <a:t>On search button click will take you to "/", with your search query in search params.</a:t>
+            </a:r>
+          </a:p>
+          <a:p>
+            <a:pPr indent="-285750"/>
+            <a:r>
+              <a:rPr lang="en-US" dirty="0"/>
+              <a:t>Will show filtered recipes based on your search query.</a:t>
+            </a:r>
+          </a:p>
+        </p:txBody>
+      </p:sp>
+    </p:spTree>
+    <p:extLst>
+      <p:ext uri="{BB962C8B-B14F-4D97-AF65-F5344CB8AC3E}">
+        <p14:creationId xmlns:p14="http://schemas.microsoft.com/office/powerpoint/2010/main" val="949683072"/>
+      </p:ext>
+    </p:extLst>
+  </p:cSld>
+  <p:clrMapOvr>
+    <a:masterClrMapping/>
+  </p:clrMapOvr>
+</p:sld>
+</file>
+
+<file path=ppt/slides/slide15.xml><?xml version="1.0" encoding="utf-8"?>
+<p:sld xmlns:a="http://schemas.openxmlformats.org/drawingml/2006/main" xmlns:r="http://schemas.openxmlformats.org/officeDocument/2006/relationships" xmlns:p="http://schemas.openxmlformats.org/presentationml/2006/main">
+  <p:cSld>
+    <p:spTree>
+      <p:nvGrpSpPr>
+        <p:cNvPr id="1" name=""/>
+        <p:cNvGrpSpPr/>
+        <p:nvPr/>
+      </p:nvGrpSpPr>
+      <p:grpSpPr>
+        <a:xfrm>
+          <a:off x="0" y="0"/>
+          <a:ext cx="0" cy="0"/>
+          <a:chOff x="0" y="0"/>
+          <a:chExt cx="0" cy="0"/>
+        </a:xfrm>
+      </p:grpSpPr>
+      <p:sp>
+        <p:nvSpPr>
+          <p:cNvPr id="2" name="Title 1">
+            <a:extLst>
+              <a:ext uri="{FF2B5EF4-FFF2-40B4-BE49-F238E27FC236}">
+                <a16:creationId xmlns:a16="http://schemas.microsoft.com/office/drawing/2014/main" id="{9E7E54C9-6AA2-A54F-787C-275B9AD23CE8}"/>
+              </a:ext>
+            </a:extLst>
+          </p:cNvPr>
+          <p:cNvSpPr>
+            <a:spLocks noGrp="1"/>
+          </p:cNvSpPr>
+          <p:nvPr>
+            <p:ph type="title"/>
+          </p:nvPr>
+        </p:nvSpPr>
+        <p:spPr/>
+        <p:txBody>
+          <a:bodyPr/>
+          <a:lstStyle/>
+          <a:p>
+            <a:r>
+              <a:rPr lang="en-US" b="1" dirty="0"/>
+              <a:t>View recipe details</a:t>
+            </a:r>
+          </a:p>
+        </p:txBody>
+      </p:sp>
+      <p:sp>
+        <p:nvSpPr>
+          <p:cNvPr id="3" name="Text Placeholder 2">
+            <a:extLst>
+              <a:ext uri="{FF2B5EF4-FFF2-40B4-BE49-F238E27FC236}">
+                <a16:creationId xmlns:a16="http://schemas.microsoft.com/office/drawing/2014/main" id="{AADEF75C-C980-6662-6FB9-C675451A09E0}"/>
+              </a:ext>
+            </a:extLst>
+          </p:cNvPr>
+          <p:cNvSpPr>
+            <a:spLocks noGrp="1"/>
+          </p:cNvSpPr>
+          <p:nvPr>
+            <p:ph type="body" idx="1"/>
+          </p:nvPr>
+        </p:nvSpPr>
+        <p:spPr/>
+        <p:txBody>
+          <a:bodyPr/>
+          <a:lstStyle/>
+          <a:p>
+            <a:r>
+              <a:rPr lang="en-US" dirty="0"/>
+              <a:t>Click on "View Details" button in recipe list item.</a:t>
+            </a:r>
+          </a:p>
+          <a:p>
+            <a:r>
+              <a:rPr lang="en-US" dirty="0"/>
+              <a:t>It will take you to "/recipe/:id".</a:t>
+            </a:r>
+          </a:p>
+          <a:p>
+            <a:r>
+              <a:rPr lang="en-US" dirty="0"/>
+              <a:t>It will show you details of the recipe you just selected.</a:t>
+            </a:r>
+          </a:p>
+        </p:txBody>
+      </p:sp>
+    </p:spTree>
+    <p:extLst>
+      <p:ext uri="{BB962C8B-B14F-4D97-AF65-F5344CB8AC3E}">
+        <p14:creationId xmlns:p14="http://schemas.microsoft.com/office/powerpoint/2010/main" val="1575782521"/>
+      </p:ext>
+    </p:extLst>
+  </p:cSld>
+  <p:clrMapOvr>
+    <a:masterClrMapping/>
+  </p:clrMapOvr>
+</p:sld>
+</file>
+
+<file path=ppt/slides/slide16.xml><?xml version="1.0" encoding="utf-8"?>
+<p:sld xmlns:a="http://schemas.openxmlformats.org/drawingml/2006/main" xmlns:r="http://schemas.openxmlformats.org/officeDocument/2006/relationships" xmlns:p="http://schemas.openxmlformats.org/presentationml/2006/main">
+  <p:cSld>
+    <p:spTree>
+      <p:nvGrpSpPr>
+        <p:cNvPr id="1" name="">
+          <a:extLst>
+            <a:ext uri="{FF2B5EF4-FFF2-40B4-BE49-F238E27FC236}">
+              <a16:creationId xmlns:a16="http://schemas.microsoft.com/office/drawing/2014/main" id="{7D761B12-F6FE-5F50-3DF4-F128B6793F0E}"/>
+            </a:ext>
+          </a:extLst>
+        </p:cNvPr>
+        <p:cNvGrpSpPr/>
+        <p:nvPr/>
+      </p:nvGrpSpPr>
+      <p:grpSpPr>
+        <a:xfrm>
+          <a:off x="0" y="0"/>
+          <a:ext cx="0" cy="0"/>
+          <a:chOff x="0" y="0"/>
+          <a:chExt cx="0" cy="0"/>
+        </a:xfrm>
+      </p:grpSpPr>
+      <p:sp>
+        <p:nvSpPr>
+          <p:cNvPr id="2" name="Title 1">
+            <a:extLst>
+              <a:ext uri="{FF2B5EF4-FFF2-40B4-BE49-F238E27FC236}">
+                <a16:creationId xmlns:a16="http://schemas.microsoft.com/office/drawing/2014/main" id="{06026CD1-1278-B149-457C-54B5CF101492}"/>
+              </a:ext>
+            </a:extLst>
+          </p:cNvPr>
+          <p:cNvSpPr>
+            <a:spLocks noGrp="1"/>
+          </p:cNvSpPr>
+          <p:nvPr>
+            <p:ph type="title"/>
+          </p:nvPr>
+        </p:nvSpPr>
+        <p:spPr>
+          <a:xfrm>
+            <a:off x="457200" y="274638"/>
+            <a:ext cx="8229600" cy="6291072"/>
+          </a:xfrm>
+        </p:spPr>
+        <p:txBody>
+          <a:bodyPr/>
+          <a:lstStyle/>
+          <a:p>
+            <a:r>
+              <a:rPr lang="en-US" b="1" dirty="0"/>
+              <a:t>How app works</a:t>
+            </a:r>
+          </a:p>
+        </p:txBody>
+      </p:sp>
+    </p:spTree>
+    <p:extLst>
+      <p:ext uri="{BB962C8B-B14F-4D97-AF65-F5344CB8AC3E}">
+        <p14:creationId xmlns:p14="http://schemas.microsoft.com/office/powerpoint/2010/main" val="231747352"/>
+      </p:ext>
+    </p:extLst>
+  </p:cSld>
+  <p:clrMapOvr>
+    <a:masterClrMapping/>
+  </p:clrMapOvr>
+</p:sld>
+</file>
+
+<file path=ppt/slides/slide17.xml><?xml version="1.0" encoding="utf-8"?>
 <p:sld xmlns:a="http://schemas.openxmlformats.org/drawingml/2006/main" xmlns:r="http://schemas.openxmlformats.org/officeDocument/2006/relationships" xmlns:p="http://schemas.openxmlformats.org/presentationml/2006/main">
   <p:cSld>
     <p:spTree>
@@ -12165,57 +12704,6 @@
           <a:chExt cx="0" cy="0"/>
         </a:xfrm>
       </p:grpSpPr>
-      <p:sp>
-        <p:nvSpPr>
-          <p:cNvPr id="140" name="Google Shape;140;p11"/>
-          <p:cNvSpPr txBox="1">
-            <a:spLocks noGrp="1"/>
-          </p:cNvSpPr>
-          <p:nvPr>
-            <p:ph type="title"/>
-          </p:nvPr>
-        </p:nvSpPr>
-        <p:spPr>
-          <a:xfrm>
-            <a:off x="457200" y="274638"/>
-            <a:ext cx="8229600" cy="1143000"/>
-          </a:xfrm>
-          <a:prstGeom prst="rect">
-            <a:avLst/>
-          </a:prstGeom>
-          <a:noFill/>
-          <a:ln>
-            <a:noFill/>
-          </a:ln>
-        </p:spPr>
-        <p:txBody>
-          <a:bodyPr spcFirstLastPara="1" wrap="square" lIns="91425" tIns="45700" rIns="91425" bIns="45700" anchor="ctr" anchorCtr="0">
-            <a:normAutofit/>
-          </a:bodyPr>
-          <a:lstStyle/>
-          <a:p>
-            <a:pPr marL="0" lvl="0" indent="0" algn="ctr" rtl="0">
-              <a:spcBef>
-                <a:spcPts val="0"/>
-              </a:spcBef>
-              <a:spcAft>
-                <a:spcPts val="0"/>
-              </a:spcAft>
-              <a:buClr>
-                <a:schemeClr val="dk1"/>
-              </a:buClr>
-              <a:buSzPts val="4400"/>
-              <a:buFont typeface="Calibri"/>
-              <a:buNone/>
-            </a:pPr>
-            <a:r>
-              <a:rPr lang="en-IN" b="1"/>
-              <a:t>How app works</a:t>
-            </a:r>
-            <a:endParaRPr b="1"/>
-          </a:p>
-        </p:txBody>
-      </p:sp>
       <p:sp>
         <p:nvSpPr>
           <p:cNvPr id="141" name="Google Shape;141;p11"/>
@@ -12241,35 +12729,39 @@
         </p:spPr>
         <p:txBody>
           <a:bodyPr spcFirstLastPara="1" wrap="square" lIns="91425" tIns="45700" rIns="91425" bIns="45700" anchor="t" anchorCtr="0">
-            <a:normAutofit/>
+            <a:normAutofit lnSpcReduction="10000"/>
           </a:bodyPr>
           <a:lstStyle/>
           <a:p>
-            <a:pPr marL="342900" lvl="0" indent="-342900" algn="l" rtl="0">
-              <a:spcBef>
-                <a:spcPts val="0"/>
-              </a:spcBef>
-              <a:spcAft>
-                <a:spcPts val="0"/>
-              </a:spcAft>
-              <a:buClr>
-                <a:schemeClr val="dk1"/>
-              </a:buClr>
-              <a:buSzPts val="3200"/>
-              <a:buChar char="•"/>
+            <a:pPr marL="285750" indent="-285750" algn="l" rtl="0">
+              <a:spcBef>
+                <a:spcPts val="560"/>
+              </a:spcBef>
+              <a:spcAft>
+                <a:spcPts val="0"/>
+              </a:spcAft>
+              <a:buSzPts val="2800"/>
             </a:pPr>
             <a:r>
-              <a:rPr lang="en-IN" b="1"/>
-              <a:t>When visiting “/”</a:t>
-            </a:r>
-            <a:r>
-              <a:rPr lang="en-IN"/>
-              <a:t>:</a:t>
-            </a:r>
-            <a:endParaRPr/>
-          </a:p>
-          <a:p>
-            <a:pPr marL="742950" lvl="1" indent="-285750" algn="l" rtl="0">
+              <a:rPr lang="en-IN" dirty="0" err="1"/>
+              <a:t>RecipesWithPagination</a:t>
+            </a:r>
+            <a:r>
+              <a:rPr lang="en-IN" dirty="0"/>
+              <a:t> component renders </a:t>
+            </a:r>
+            <a:r>
+              <a:rPr lang="en-IN" dirty="0" err="1"/>
+              <a:t>RecipeList</a:t>
+            </a:r>
+            <a:r>
+              <a:rPr lang="en-IN" dirty="0"/>
+              <a:t> and Pagination.</a:t>
+            </a:r>
+            <a:endParaRPr lang="en-US" dirty="0"/>
+          </a:p>
+          <a:p>
+            <a:pPr marL="285750" indent="-285750" algn="l" rtl="0">
               <a:spcBef>
                 <a:spcPts val="560"/>
               </a:spcBef>
@@ -12280,53 +12772,104 @@
                 <a:schemeClr val="dk1"/>
               </a:buClr>
               <a:buSzPts val="2800"/>
-              <a:buChar char="–"/>
             </a:pPr>
             <a:r>
-              <a:rPr lang="en-IN"/>
-              <a:t>RecipesWithPagination component renders RecipeList and Pagination.</a:t>
-            </a:r>
-            <a:endParaRPr/>
-          </a:p>
-          <a:p>
-            <a:pPr marL="742950" lvl="1" indent="-285750" algn="l" rtl="0">
+              <a:rPr lang="en-IN" err="1"/>
+              <a:t>RecipeList</a:t>
+            </a:r>
+            <a:r>
+              <a:rPr lang="en-IN" dirty="0"/>
+              <a:t> gets </a:t>
+            </a:r>
+            <a:r>
+              <a:rPr lang="en-IN" err="1"/>
+              <a:t>searchParams</a:t>
+            </a:r>
+            <a:r>
+              <a:rPr lang="en-IN" dirty="0"/>
+              <a:t>(</a:t>
+            </a:r>
+            <a:r>
+              <a:rPr lang="en-IN" err="1"/>
+              <a:t>searchQuery</a:t>
+            </a:r>
+            <a:r>
+              <a:rPr lang="en-IN" dirty="0"/>
+              <a:t>, </a:t>
+            </a:r>
+            <a:r>
+              <a:rPr lang="en-IN" err="1"/>
+              <a:t>searchBy</a:t>
+            </a:r>
+            <a:r>
+              <a:rPr lang="en-IN" dirty="0"/>
+              <a:t> and page) and dispatches action to filter recipes on mount or whenever params change.</a:t>
+            </a:r>
+            <a:endParaRPr dirty="0"/>
+          </a:p>
+          <a:p>
+            <a:pPr marL="285750" indent="-285750">
               <a:spcBef>
                 <a:spcPts val="560"/>
               </a:spcBef>
-              <a:spcAft>
-                <a:spcPts val="0"/>
-              </a:spcAft>
-              <a:buClr>
-                <a:schemeClr val="dk1"/>
-              </a:buClr>
               <a:buSzPts val="2800"/>
-              <a:buChar char="–"/>
             </a:pPr>
             <a:r>
-              <a:rPr lang="en-IN"/>
-              <a:t>RecipeList gets searchParams(searchQuery, searchBy and page) and dispatches action to filter recipes on mount or whenever params change.</a:t>
-            </a:r>
-            <a:endParaRPr/>
-          </a:p>
-          <a:p>
-            <a:pPr marL="742950" lvl="1" indent="-285750" algn="l" rtl="0">
+              <a:rPr lang="en-IN" err="1"/>
+              <a:t>RecipeList</a:t>
+            </a:r>
+            <a:r>
+              <a:rPr lang="en-IN" dirty="0"/>
+              <a:t> gets </a:t>
+            </a:r>
+            <a:r>
+              <a:rPr lang="en-IN" err="1"/>
+              <a:t>recipeToView</a:t>
+            </a:r>
+            <a:r>
+              <a:rPr lang="en-IN" dirty="0"/>
+              <a:t> from state and display these recipes.</a:t>
+            </a:r>
+          </a:p>
+          <a:p>
+            <a:pPr marL="285750" indent="-285750">
               <a:spcBef>
                 <a:spcPts val="560"/>
               </a:spcBef>
-              <a:spcAft>
-                <a:spcPts val="0"/>
-              </a:spcAft>
-              <a:buClr>
-                <a:schemeClr val="dk1"/>
-              </a:buClr>
               <a:buSzPts val="2800"/>
-              <a:buChar char="–"/>
             </a:pPr>
             <a:r>
-              <a:rPr lang="en-IN"/>
-              <a:t>RecipeList gets recipeToView from state and display these recipes.</a:t>
-            </a:r>
-            <a:endParaRPr/>
+              <a:rPr lang="en-IN" dirty="0"/>
+              <a:t>Pagination will reflect these changes.</a:t>
+            </a:r>
+          </a:p>
+        </p:txBody>
+      </p:sp>
+      <p:sp>
+        <p:nvSpPr>
+          <p:cNvPr id="3" name="Title 2">
+            <a:extLst>
+              <a:ext uri="{FF2B5EF4-FFF2-40B4-BE49-F238E27FC236}">
+                <a16:creationId xmlns:a16="http://schemas.microsoft.com/office/drawing/2014/main" id="{139D47CA-6DCF-DAB1-4574-9A50F21824C7}"/>
+              </a:ext>
+            </a:extLst>
+          </p:cNvPr>
+          <p:cNvSpPr>
+            <a:spLocks noGrp="1"/>
+          </p:cNvSpPr>
+          <p:nvPr>
+            <p:ph type="title"/>
+          </p:nvPr>
+        </p:nvSpPr>
+        <p:spPr/>
+        <p:txBody>
+          <a:bodyPr/>
+          <a:lstStyle/>
+          <a:p>
+            <a:r>
+              <a:rPr lang="en-US" b="1" dirty="0"/>
+              <a:t>When visiting "/"</a:t>
+            </a:r>
           </a:p>
         </p:txBody>
       </p:sp>
@@ -12338,12 +12881,12 @@
 </p:sld>
 </file>
 
-<file path=ppt/slides/slide12.xml><?xml version="1.0" encoding="utf-8"?>
+<file path=ppt/slides/slide18.xml><?xml version="1.0" encoding="utf-8"?>
 <p:sld xmlns:a="http://schemas.openxmlformats.org/drawingml/2006/main" xmlns:r="http://schemas.openxmlformats.org/officeDocument/2006/relationships" xmlns:p="http://schemas.openxmlformats.org/presentationml/2006/main">
   <p:cSld>
     <p:spTree>
       <p:nvGrpSpPr>
-        <p:cNvPr id="1" name="Shape 145"/>
+        <p:cNvPr id="1" name=""/>
         <p:cNvGrpSpPr/>
         <p:nvPr/>
       </p:nvGrpSpPr>
@@ -12357,135 +12900,295 @@
       </p:grpSpPr>
       <p:sp>
         <p:nvSpPr>
-          <p:cNvPr id="146" name="Google Shape;146;p12"/>
-          <p:cNvSpPr txBox="1">
+          <p:cNvPr id="2" name="Title 1">
+            <a:extLst>
+              <a:ext uri="{FF2B5EF4-FFF2-40B4-BE49-F238E27FC236}">
+                <a16:creationId xmlns:a16="http://schemas.microsoft.com/office/drawing/2014/main" id="{F90F6982-1F88-C39C-5669-B6FF975C22B5}"/>
+              </a:ext>
+            </a:extLst>
+          </p:cNvPr>
+          <p:cNvSpPr>
+            <a:spLocks noGrp="1"/>
+          </p:cNvSpPr>
+          <p:nvPr>
+            <p:ph type="title"/>
+          </p:nvPr>
+        </p:nvSpPr>
+        <p:spPr/>
+        <p:txBody>
+          <a:bodyPr>
+            <a:normAutofit fontScale="90000"/>
+          </a:bodyPr>
+          <a:lstStyle/>
+          <a:p>
+            <a:r>
+              <a:rPr lang="en-US" b="1" dirty="0"/>
+              <a:t>When searching (on search form submit)</a:t>
+            </a:r>
+          </a:p>
+        </p:txBody>
+      </p:sp>
+      <p:sp>
+        <p:nvSpPr>
+          <p:cNvPr id="3" name="Text Placeholder 2">
+            <a:extLst>
+              <a:ext uri="{FF2B5EF4-FFF2-40B4-BE49-F238E27FC236}">
+                <a16:creationId xmlns:a16="http://schemas.microsoft.com/office/drawing/2014/main" id="{6F7249DD-282E-FE80-9B6A-3D00D2A7EA63}"/>
+              </a:ext>
+            </a:extLst>
+          </p:cNvPr>
+          <p:cNvSpPr>
             <a:spLocks noGrp="1"/>
           </p:cNvSpPr>
           <p:nvPr>
             <p:ph type="body" idx="1"/>
           </p:nvPr>
         </p:nvSpPr>
-        <p:spPr>
-          <a:xfrm>
-            <a:off x="457200" y="404664"/>
-            <a:ext cx="8229600" cy="5721499"/>
-          </a:xfrm>
-          <a:prstGeom prst="rect">
-            <a:avLst/>
-          </a:prstGeom>
-          <a:noFill/>
-          <a:ln>
-            <a:noFill/>
-          </a:ln>
-        </p:spPr>
+        <p:spPr/>
         <p:txBody>
-          <a:bodyPr spcFirstLastPara="1" wrap="square" lIns="91425" tIns="45700" rIns="91425" bIns="45700" anchor="t" anchorCtr="0">
-            <a:normAutofit/>
-          </a:bodyPr>
+          <a:bodyPr/>
           <a:lstStyle/>
           <a:p>
-            <a:pPr marL="342900" lvl="0" indent="-342900" algn="l" rtl="0">
-              <a:spcBef>
-                <a:spcPts val="0"/>
-              </a:spcBef>
-              <a:spcAft>
-                <a:spcPts val="0"/>
-              </a:spcAft>
-              <a:buClr>
-                <a:schemeClr val="dk1"/>
-              </a:buClr>
-              <a:buSzPts val="3200"/>
-              <a:buChar char="•"/>
+            <a:pPr marL="285750" indent="-285750">
+              <a:spcBef>
+                <a:spcPts val="560"/>
+              </a:spcBef>
             </a:pPr>
             <a:r>
-              <a:rPr lang="en-IN" b="1"/>
-              <a:t>When searching</a:t>
-            </a:r>
-            <a:r>
-              <a:rPr lang="en-IN"/>
-              <a:t>: on search form submit</a:t>
-            </a:r>
-            <a:endParaRPr/>
-          </a:p>
-          <a:p>
-            <a:pPr marL="742950" lvl="1" indent="-285750" algn="l" rtl="0">
+              <a:rPr lang="en-IN" dirty="0"/>
+              <a:t>On search submit, navigates to “/” along with search query i.e.“/</a:t>
+            </a:r>
+            <a:r>
+              <a:rPr lang="en-IN" dirty="0" err="1"/>
+              <a:t>searchQuery</a:t>
+            </a:r>
+            <a:r>
+              <a:rPr lang="en-IN" dirty="0"/>
+              <a:t>=</a:t>
+            </a:r>
+            <a:r>
+              <a:rPr lang="en-IN" dirty="0" err="1"/>
+              <a:t>something&amp;searchBy</a:t>
+            </a:r>
+            <a:r>
+              <a:rPr lang="en-IN" dirty="0"/>
+              <a:t>=keyword”.</a:t>
+            </a:r>
+            <a:endParaRPr lang="en-US"/>
+          </a:p>
+          <a:p>
+            <a:pPr marL="285750" indent="-285750">
               <a:spcBef>
                 <a:spcPts val="560"/>
               </a:spcBef>
-              <a:spcAft>
-                <a:spcPts val="0"/>
-              </a:spcAft>
-              <a:buClr>
-                <a:schemeClr val="dk1"/>
-              </a:buClr>
-              <a:buSzPts val="2800"/>
-              <a:buChar char="–"/>
             </a:pPr>
             <a:r>
-              <a:rPr lang="en-IN"/>
-              <a:t>Navigates to “/” along with search query i.e. “/searchQuery=something&amp;searchBy=keyword”.</a:t>
-            </a:r>
-            <a:endParaRPr/>
-          </a:p>
-          <a:p>
-            <a:pPr marL="742950" lvl="1" indent="-285750" algn="l" rtl="0">
+              <a:rPr lang="en-IN" dirty="0" err="1"/>
+              <a:t>RecipeList</a:t>
+            </a:r>
+            <a:r>
+              <a:rPr lang="en-IN" dirty="0"/>
+              <a:t> gets these </a:t>
+            </a:r>
+            <a:r>
+              <a:rPr lang="en-IN" dirty="0" err="1"/>
+              <a:t>searchParams</a:t>
+            </a:r>
+            <a:r>
+              <a:rPr lang="en-IN" dirty="0"/>
+              <a:t> and dispatches action to filter the recipes.</a:t>
+            </a:r>
+            <a:endParaRPr lang="en-US" dirty="0"/>
+          </a:p>
+          <a:p>
+            <a:pPr marL="285750" indent="-285750">
               <a:spcBef>
                 <a:spcPts val="560"/>
               </a:spcBef>
-              <a:spcAft>
-                <a:spcPts val="0"/>
-              </a:spcAft>
-              <a:buClr>
-                <a:schemeClr val="dk1"/>
-              </a:buClr>
-              <a:buSzPts val="2800"/>
-              <a:buChar char="–"/>
             </a:pPr>
             <a:r>
-              <a:rPr lang="en-IN"/>
-              <a:t>RecipeList gets these searchParams and filters the recipes.</a:t>
-            </a:r>
-            <a:endParaRPr/>
-          </a:p>
-          <a:p>
-            <a:pPr marL="742950" lvl="1" indent="-285750" algn="l" rtl="0">
-              <a:spcBef>
-                <a:spcPts val="560"/>
-              </a:spcBef>
-              <a:spcAft>
-                <a:spcPts val="0"/>
-              </a:spcAft>
-              <a:buClr>
-                <a:schemeClr val="dk1"/>
-              </a:buClr>
-              <a:buSzPts val="2800"/>
-              <a:buChar char="–"/>
-            </a:pPr>
-            <a:r>
-              <a:rPr lang="en-IN"/>
-              <a:t>RecipeList and pagination reflects these changes.</a:t>
-            </a:r>
-            <a:endParaRPr/>
-          </a:p>
-          <a:p>
-            <a:pPr marL="742950" lvl="1" indent="-107950" algn="l" rtl="0">
-              <a:spcBef>
-                <a:spcPts val="560"/>
-              </a:spcBef>
-              <a:spcAft>
-                <a:spcPts val="0"/>
-              </a:spcAft>
-              <a:buClr>
-                <a:schemeClr val="dk1"/>
-              </a:buClr>
-              <a:buSzPts val="2800"/>
-              <a:buNone/>
-            </a:pPr>
-            <a:endParaRPr/>
+              <a:rPr lang="en-IN" dirty="0" err="1"/>
+              <a:t>RecipeList</a:t>
+            </a:r>
+            <a:r>
+              <a:rPr lang="en-IN" dirty="0"/>
+              <a:t> and pagination reflects these changes.</a:t>
+            </a:r>
+            <a:endParaRPr lang="en-US" dirty="0"/>
+          </a:p>
+          <a:p>
+            <a:endParaRPr lang="en-US" dirty="0"/>
           </a:p>
         </p:txBody>
       </p:sp>
     </p:spTree>
+    <p:extLst>
+      <p:ext uri="{BB962C8B-B14F-4D97-AF65-F5344CB8AC3E}">
+        <p14:creationId xmlns:p14="http://schemas.microsoft.com/office/powerpoint/2010/main" val="2133395949"/>
+      </p:ext>
+    </p:extLst>
+  </p:cSld>
+  <p:clrMapOvr>
+    <a:masterClrMapping/>
+  </p:clrMapOvr>
+</p:sld>
+</file>
+
+<file path=ppt/slides/slide19.xml><?xml version="1.0" encoding="utf-8"?>
+<p:sld xmlns:a="http://schemas.openxmlformats.org/drawingml/2006/main" xmlns:r="http://schemas.openxmlformats.org/officeDocument/2006/relationships" xmlns:p="http://schemas.openxmlformats.org/presentationml/2006/main">
+  <p:cSld>
+    <p:spTree>
+      <p:nvGrpSpPr>
+        <p:cNvPr id="1" name=""/>
+        <p:cNvGrpSpPr/>
+        <p:nvPr/>
+      </p:nvGrpSpPr>
+      <p:grpSpPr>
+        <a:xfrm>
+          <a:off x="0" y="0"/>
+          <a:ext cx="0" cy="0"/>
+          <a:chOff x="0" y="0"/>
+          <a:chExt cx="0" cy="0"/>
+        </a:xfrm>
+      </p:grpSpPr>
+      <p:sp>
+        <p:nvSpPr>
+          <p:cNvPr id="2" name="Title 1">
+            <a:extLst>
+              <a:ext uri="{FF2B5EF4-FFF2-40B4-BE49-F238E27FC236}">
+                <a16:creationId xmlns:a16="http://schemas.microsoft.com/office/drawing/2014/main" id="{24A8ADD5-F943-E172-AA70-9D0271EEB104}"/>
+              </a:ext>
+            </a:extLst>
+          </p:cNvPr>
+          <p:cNvSpPr>
+            <a:spLocks noGrp="1"/>
+          </p:cNvSpPr>
+          <p:nvPr>
+            <p:ph type="title"/>
+          </p:nvPr>
+        </p:nvSpPr>
+        <p:spPr/>
+        <p:txBody>
+          <a:bodyPr/>
+          <a:lstStyle/>
+          <a:p>
+            <a:r>
+              <a:rPr lang="en-US" b="1" dirty="0"/>
+              <a:t>Adding a recipe</a:t>
+            </a:r>
+          </a:p>
+        </p:txBody>
+      </p:sp>
+      <p:sp>
+        <p:nvSpPr>
+          <p:cNvPr id="3" name="Text Placeholder 2">
+            <a:extLst>
+              <a:ext uri="{FF2B5EF4-FFF2-40B4-BE49-F238E27FC236}">
+                <a16:creationId xmlns:a16="http://schemas.microsoft.com/office/drawing/2014/main" id="{E0B3669E-5FA8-B838-C6B6-265A7557756F}"/>
+              </a:ext>
+            </a:extLst>
+          </p:cNvPr>
+          <p:cNvSpPr>
+            <a:spLocks noGrp="1"/>
+          </p:cNvSpPr>
+          <p:nvPr>
+            <p:ph type="body" idx="1"/>
+          </p:nvPr>
+        </p:nvSpPr>
+        <p:spPr/>
+        <p:txBody>
+          <a:bodyPr>
+            <a:normAutofit fontScale="77500" lnSpcReduction="20000"/>
+          </a:bodyPr>
+          <a:lstStyle/>
+          <a:p>
+            <a:r>
+              <a:rPr lang="en-US" dirty="0"/>
+              <a:t>User clicks "Add Recipe" button from header or visits "/</a:t>
+            </a:r>
+            <a:r>
+              <a:rPr lang="en-US" err="1"/>
+              <a:t>addRecipe</a:t>
+            </a:r>
+            <a:r>
+              <a:rPr lang="en-US" dirty="0"/>
+              <a:t>".</a:t>
+            </a:r>
+          </a:p>
+          <a:p>
+            <a:r>
+              <a:rPr lang="en-US" dirty="0" err="1"/>
+              <a:t>AddRecipeFormComponent</a:t>
+            </a:r>
+            <a:r>
+              <a:rPr lang="en-US" dirty="0"/>
+              <a:t> is rendered.</a:t>
+            </a:r>
+          </a:p>
+          <a:p>
+            <a:r>
+              <a:rPr lang="en-US" dirty="0"/>
+              <a:t>It accepts recipe's name, finished image, ingredients and </a:t>
+            </a:r>
+            <a:r>
+              <a:rPr lang="en-US"/>
+              <a:t>steps.</a:t>
+            </a:r>
+            <a:endParaRPr lang="en-US" dirty="0"/>
+          </a:p>
+          <a:p>
+            <a:r>
+              <a:rPr lang="en-US" dirty="0"/>
+              <a:t>On submit, it adds the finished image to cloud storage (supabase</a:t>
+            </a:r>
+            <a:r>
+              <a:rPr lang="en-US"/>
+              <a:t>).</a:t>
+            </a:r>
+            <a:endParaRPr lang="en-US" dirty="0"/>
+          </a:p>
+          <a:p>
+            <a:r>
+              <a:rPr lang="en-US" dirty="0"/>
+              <a:t>This uploaded image's </a:t>
+            </a:r>
+            <a:r>
+              <a:rPr lang="en-US" err="1"/>
+              <a:t>url</a:t>
+            </a:r>
+            <a:r>
+              <a:rPr lang="en-US" dirty="0"/>
+              <a:t> and data from other form fields is used to make a recipe object. </a:t>
+            </a:r>
+          </a:p>
+          <a:p>
+            <a:r>
+              <a:rPr lang="en-US" dirty="0"/>
+              <a:t>This object is given as payload to "</a:t>
+            </a:r>
+            <a:r>
+              <a:rPr lang="en-US" dirty="0" err="1"/>
+              <a:t>addRecipe</a:t>
+            </a:r>
+            <a:r>
+              <a:rPr lang="en-US" dirty="0"/>
+              <a:t>" action and it dispatches, which then adds the recipe to our recipes in state.</a:t>
+            </a:r>
+          </a:p>
+          <a:p>
+            <a:r>
+              <a:rPr lang="en-US" dirty="0"/>
+              <a:t>User is redirected to this newly added recipe's page.</a:t>
+            </a:r>
+          </a:p>
+        </p:txBody>
+      </p:sp>
+    </p:spTree>
+    <p:extLst>
+      <p:ext uri="{BB962C8B-B14F-4D97-AF65-F5344CB8AC3E}">
+        <p14:creationId xmlns:p14="http://schemas.microsoft.com/office/powerpoint/2010/main" val="4291694873"/>
+      </p:ext>
+    </p:extLst>
   </p:cSld>
   <p:clrMapOvr>
     <a:masterClrMapping/>
@@ -12692,6 +13395,349 @@
         </p:txBody>
       </p:sp>
     </p:spTree>
+  </p:cSld>
+  <p:clrMapOvr>
+    <a:masterClrMapping/>
+  </p:clrMapOvr>
+</p:sld>
+</file>
+
+<file path=ppt/slides/slide20.xml><?xml version="1.0" encoding="utf-8"?>
+<p:sld xmlns:a="http://schemas.openxmlformats.org/drawingml/2006/main" xmlns:r="http://schemas.openxmlformats.org/officeDocument/2006/relationships" xmlns:p="http://schemas.openxmlformats.org/presentationml/2006/main">
+  <p:cSld>
+    <p:spTree>
+      <p:nvGrpSpPr>
+        <p:cNvPr id="1" name=""/>
+        <p:cNvGrpSpPr/>
+        <p:nvPr/>
+      </p:nvGrpSpPr>
+      <p:grpSpPr>
+        <a:xfrm>
+          <a:off x="0" y="0"/>
+          <a:ext cx="0" cy="0"/>
+          <a:chOff x="0" y="0"/>
+          <a:chExt cx="0" cy="0"/>
+        </a:xfrm>
+      </p:grpSpPr>
+      <p:sp>
+        <p:nvSpPr>
+          <p:cNvPr id="2" name="Title 1">
+            <a:extLst>
+              <a:ext uri="{FF2B5EF4-FFF2-40B4-BE49-F238E27FC236}">
+                <a16:creationId xmlns:a16="http://schemas.microsoft.com/office/drawing/2014/main" id="{D6DC4B28-55D8-B82F-7857-45208AAFF41D}"/>
+              </a:ext>
+            </a:extLst>
+          </p:cNvPr>
+          <p:cNvSpPr>
+            <a:spLocks noGrp="1"/>
+          </p:cNvSpPr>
+          <p:nvPr>
+            <p:ph type="title"/>
+          </p:nvPr>
+        </p:nvSpPr>
+        <p:spPr/>
+        <p:txBody>
+          <a:bodyPr/>
+          <a:lstStyle/>
+          <a:p>
+            <a:r>
+              <a:rPr lang="en-US" b="1" dirty="0"/>
+              <a:t>View recipe details</a:t>
+            </a:r>
+          </a:p>
+        </p:txBody>
+      </p:sp>
+      <p:sp>
+        <p:nvSpPr>
+          <p:cNvPr id="3" name="Text Placeholder 2">
+            <a:extLst>
+              <a:ext uri="{FF2B5EF4-FFF2-40B4-BE49-F238E27FC236}">
+                <a16:creationId xmlns:a16="http://schemas.microsoft.com/office/drawing/2014/main" id="{C4CD88E5-BF4C-EB9B-C8C5-F71C1914780D}"/>
+              </a:ext>
+            </a:extLst>
+          </p:cNvPr>
+          <p:cNvSpPr>
+            <a:spLocks noGrp="1"/>
+          </p:cNvSpPr>
+          <p:nvPr>
+            <p:ph type="body" idx="1"/>
+          </p:nvPr>
+        </p:nvSpPr>
+        <p:spPr/>
+        <p:txBody>
+          <a:bodyPr/>
+          <a:lstStyle/>
+          <a:p>
+            <a:r>
+              <a:rPr lang="en-US" dirty="0"/>
+              <a:t>Clicking on "View Details" button on recipe list item will take you to "/recipe/:id".</a:t>
+            </a:r>
+          </a:p>
+          <a:p>
+            <a:r>
+              <a:rPr lang="en-US" dirty="0" err="1"/>
+              <a:t>RecipeDetailed</a:t>
+            </a:r>
+            <a:r>
+              <a:rPr lang="en-US" dirty="0"/>
+              <a:t> component is rendered.</a:t>
+            </a:r>
+          </a:p>
+          <a:p>
+            <a:r>
+              <a:rPr lang="en-US" dirty="0"/>
+              <a:t>It gets recipe </a:t>
+            </a:r>
+            <a:r>
+              <a:rPr lang="en-US" dirty="0" err="1"/>
+              <a:t>id</a:t>
+            </a:r>
+            <a:r>
+              <a:rPr lang="en-US" dirty="0"/>
+              <a:t> from </a:t>
+            </a:r>
+            <a:r>
+              <a:rPr lang="en-US" dirty="0" err="1"/>
+              <a:t>url</a:t>
+            </a:r>
+            <a:r>
+              <a:rPr lang="en-US" dirty="0"/>
+              <a:t> and gets the related recipe object from state.</a:t>
+            </a:r>
+          </a:p>
+          <a:p>
+            <a:r>
+              <a:rPr lang="en-US" dirty="0"/>
+              <a:t>It then views recipe details using this object.</a:t>
+            </a:r>
+          </a:p>
+        </p:txBody>
+      </p:sp>
+    </p:spTree>
+    <p:extLst>
+      <p:ext uri="{BB962C8B-B14F-4D97-AF65-F5344CB8AC3E}">
+        <p14:creationId xmlns:p14="http://schemas.microsoft.com/office/powerpoint/2010/main" val="1580345752"/>
+      </p:ext>
+    </p:extLst>
+  </p:cSld>
+  <p:clrMapOvr>
+    <a:masterClrMapping/>
+  </p:clrMapOvr>
+</p:sld>
+</file>
+
+<file path=ppt/slides/slide21.xml><?xml version="1.0" encoding="utf-8"?>
+<p:sld xmlns:a="http://schemas.openxmlformats.org/drawingml/2006/main" xmlns:r="http://schemas.openxmlformats.org/officeDocument/2006/relationships" xmlns:p="http://schemas.openxmlformats.org/presentationml/2006/main">
+  <p:cSld>
+    <p:spTree>
+      <p:nvGrpSpPr>
+        <p:cNvPr id="1" name=""/>
+        <p:cNvGrpSpPr/>
+        <p:nvPr/>
+      </p:nvGrpSpPr>
+      <p:grpSpPr>
+        <a:xfrm>
+          <a:off x="0" y="0"/>
+          <a:ext cx="0" cy="0"/>
+          <a:chOff x="0" y="0"/>
+          <a:chExt cx="0" cy="0"/>
+        </a:xfrm>
+      </p:grpSpPr>
+      <p:sp>
+        <p:nvSpPr>
+          <p:cNvPr id="2" name="Title 1">
+            <a:extLst>
+              <a:ext uri="{FF2B5EF4-FFF2-40B4-BE49-F238E27FC236}">
+                <a16:creationId xmlns:a16="http://schemas.microsoft.com/office/drawing/2014/main" id="{688C9B66-833C-5DCF-3EAE-360B666D420A}"/>
+              </a:ext>
+            </a:extLst>
+          </p:cNvPr>
+          <p:cNvSpPr>
+            <a:spLocks noGrp="1"/>
+          </p:cNvSpPr>
+          <p:nvPr>
+            <p:ph type="title"/>
+          </p:nvPr>
+        </p:nvSpPr>
+        <p:spPr/>
+        <p:txBody>
+          <a:bodyPr/>
+          <a:lstStyle/>
+          <a:p>
+            <a:r>
+              <a:rPr lang="en-US" b="1" dirty="0"/>
+              <a:t>Pagination</a:t>
+            </a:r>
+          </a:p>
+        </p:txBody>
+      </p:sp>
+      <p:sp>
+        <p:nvSpPr>
+          <p:cNvPr id="3" name="Text Placeholder 2">
+            <a:extLst>
+              <a:ext uri="{FF2B5EF4-FFF2-40B4-BE49-F238E27FC236}">
+                <a16:creationId xmlns:a16="http://schemas.microsoft.com/office/drawing/2014/main" id="{04606691-7683-2943-4ECE-DA435BFAE379}"/>
+              </a:ext>
+            </a:extLst>
+          </p:cNvPr>
+          <p:cNvSpPr>
+            <a:spLocks noGrp="1"/>
+          </p:cNvSpPr>
+          <p:nvPr>
+            <p:ph type="body" idx="1"/>
+          </p:nvPr>
+        </p:nvSpPr>
+        <p:spPr/>
+        <p:txBody>
+          <a:bodyPr>
+            <a:normAutofit/>
+          </a:bodyPr>
+          <a:lstStyle/>
+          <a:p>
+            <a:r>
+              <a:rPr lang="en-US" dirty="0"/>
+              <a:t>Pagination component is rendered by </a:t>
+            </a:r>
+            <a:r>
+              <a:rPr lang="en-US" dirty="0" err="1"/>
+              <a:t>RecipesWithPagination</a:t>
+            </a:r>
+            <a:r>
+              <a:rPr lang="en-US" dirty="0"/>
+              <a:t> on "/" route.</a:t>
+            </a:r>
+          </a:p>
+          <a:p>
+            <a:r>
+              <a:rPr lang="en-US" dirty="0"/>
+              <a:t>It is given total count of filtered recipes, if there are filters, else all recipe count, as prop (</a:t>
+            </a:r>
+            <a:r>
+              <a:rPr lang="en-US" err="1"/>
+              <a:t>totalCount</a:t>
+            </a:r>
+            <a:r>
+              <a:rPr lang="en-US" dirty="0"/>
+              <a:t>) so it can display pagination buttons based upon it.</a:t>
+            </a:r>
+          </a:p>
+          <a:p>
+            <a:endParaRPr lang="en-US" dirty="0"/>
+          </a:p>
+        </p:txBody>
+      </p:sp>
+    </p:spTree>
+    <p:extLst>
+      <p:ext uri="{BB962C8B-B14F-4D97-AF65-F5344CB8AC3E}">
+        <p14:creationId xmlns:p14="http://schemas.microsoft.com/office/powerpoint/2010/main" val="3963897776"/>
+      </p:ext>
+    </p:extLst>
+  </p:cSld>
+  <p:clrMapOvr>
+    <a:masterClrMapping/>
+  </p:clrMapOvr>
+</p:sld>
+</file>
+
+<file path=ppt/slides/slide22.xml><?xml version="1.0" encoding="utf-8"?>
+<p:sld xmlns:a="http://schemas.openxmlformats.org/drawingml/2006/main" xmlns:r="http://schemas.openxmlformats.org/officeDocument/2006/relationships" xmlns:p="http://schemas.openxmlformats.org/presentationml/2006/main">
+  <p:cSld>
+    <p:spTree>
+      <p:nvGrpSpPr>
+        <p:cNvPr id="1" name=""/>
+        <p:cNvGrpSpPr/>
+        <p:nvPr/>
+      </p:nvGrpSpPr>
+      <p:grpSpPr>
+        <a:xfrm>
+          <a:off x="0" y="0"/>
+          <a:ext cx="0" cy="0"/>
+          <a:chOff x="0" y="0"/>
+          <a:chExt cx="0" cy="0"/>
+        </a:xfrm>
+      </p:grpSpPr>
+      <p:sp>
+        <p:nvSpPr>
+          <p:cNvPr id="3" name="Text Placeholder 2">
+            <a:extLst>
+              <a:ext uri="{FF2B5EF4-FFF2-40B4-BE49-F238E27FC236}">
+                <a16:creationId xmlns:a16="http://schemas.microsoft.com/office/drawing/2014/main" id="{66A073C5-6BEF-6DCB-8EDD-8B70416993A0}"/>
+              </a:ext>
+            </a:extLst>
+          </p:cNvPr>
+          <p:cNvSpPr>
+            <a:spLocks noGrp="1"/>
+          </p:cNvSpPr>
+          <p:nvPr>
+            <p:ph type="body" idx="1"/>
+          </p:nvPr>
+        </p:nvSpPr>
+        <p:spPr>
+          <a:xfrm>
+            <a:off x="457200" y="841248"/>
+            <a:ext cx="8229600" cy="5284915"/>
+          </a:xfrm>
+        </p:spPr>
+        <p:txBody>
+          <a:bodyPr/>
+          <a:lstStyle/>
+          <a:p>
+            <a:r>
+              <a:rPr lang="en-US" sz="3000" dirty="0"/>
+              <a:t>When a pagination button is clicked, page in search params changes, </a:t>
+            </a:r>
+            <a:r>
+              <a:rPr lang="en-US" sz="3000" dirty="0" err="1"/>
+              <a:t>RecipeList</a:t>
+            </a:r>
+            <a:r>
+              <a:rPr lang="en-US" sz="3000" dirty="0"/>
+              <a:t> will react to this (</a:t>
+            </a:r>
+            <a:r>
+              <a:rPr lang="en-US" sz="3000" dirty="0" err="1"/>
+              <a:t>useEffect</a:t>
+            </a:r>
+            <a:r>
+              <a:rPr lang="en-US" sz="3000" dirty="0"/>
+              <a:t>) and will dispatch action to filter recipes.</a:t>
+            </a:r>
+            <a:endParaRPr lang="en-US" sz="3000"/>
+          </a:p>
+          <a:p>
+            <a:r>
+              <a:rPr lang="en-US" dirty="0" err="1"/>
+              <a:t>recipesToView</a:t>
+            </a:r>
+            <a:r>
+              <a:rPr lang="en-US" dirty="0"/>
+              <a:t> will update, containing only recipes that should show on the page selected.</a:t>
+            </a:r>
+          </a:p>
+          <a:p>
+            <a:r>
+              <a:rPr lang="en-US" dirty="0" err="1"/>
+              <a:t>RecipeList</a:t>
+            </a:r>
+            <a:r>
+              <a:rPr lang="en-US" dirty="0"/>
+              <a:t> shows these recipes.</a:t>
+            </a:r>
+          </a:p>
+          <a:p>
+            <a:r>
+              <a:rPr lang="en-US" dirty="0"/>
+              <a:t>Button related to the page we selected becomes active.</a:t>
+            </a:r>
+          </a:p>
+        </p:txBody>
+      </p:sp>
+    </p:spTree>
+    <p:extLst>
+      <p:ext uri="{BB962C8B-B14F-4D97-AF65-F5344CB8AC3E}">
+        <p14:creationId xmlns:p14="http://schemas.microsoft.com/office/powerpoint/2010/main" val="1359969696"/>
+      </p:ext>
+    </p:extLst>
   </p:cSld>
   <p:clrMapOvr>
     <a:masterClrMapping/>
@@ -13602,7 +14648,7 @@
         </p:spPr>
         <p:txBody>
           <a:bodyPr spcFirstLastPara="1" wrap="square" lIns="91425" tIns="45700" rIns="91425" bIns="45700" anchor="t" anchorCtr="0">
-            <a:normAutofit fontScale="85000" lnSpcReduction="20000"/>
+            <a:normAutofit fontScale="70000" lnSpcReduction="20000"/>
           </a:bodyPr>
           <a:lstStyle/>
           <a:p>
@@ -13621,7 +14667,39 @@
             </a:pPr>
             <a:r>
               <a:rPr lang="en-IN"/>
-              <a:t>Our state lives in context (/src/contexts/RecipeProvider.jsx), and uses useReducer + ContextAPI.</a:t>
+              <a:t>Our state lives in context (/</a:t>
+            </a:r>
+            <a:r>
+              <a:rPr lang="en-IN" err="1"/>
+              <a:t>src</a:t>
+            </a:r>
+            <a:r>
+              <a:rPr lang="en-IN"/>
+              <a:t>/contexts/</a:t>
+            </a:r>
+            <a:r>
+              <a:rPr lang="en-IN" err="1"/>
+              <a:t>RecipeProvider.jsx</a:t>
+            </a:r>
+            <a:r>
+              <a:rPr lang="en-IN"/>
+              <a:t>), and uses </a:t>
+            </a:r>
+            <a:r>
+              <a:rPr lang="en-IN" err="1"/>
+              <a:t>useReducer</a:t>
+            </a:r>
+            <a:r>
+              <a:rPr lang="en-IN"/>
+              <a:t> + </a:t>
+            </a:r>
+            <a:r>
+              <a:rPr lang="en-IN" err="1"/>
+              <a:t>ContextAPI</a:t>
+            </a:r>
+            <a:r>
+              <a:rPr lang="en-IN"/>
+              <a:t>.</a:t>
             </a:r>
             <a:endParaRPr/>
           </a:p>
@@ -13640,10 +14718,10 @@
               <a:buChar char="•"/>
             </a:pPr>
             <a:r>
-              <a:rPr lang="en-IN"/>
+              <a:rPr lang="en-IN" dirty="0"/>
               <a:t>We provide this context to our entire app.</a:t>
             </a:r>
-            <a:endParaRPr/>
+            <a:endParaRPr dirty="0"/>
           </a:p>
           <a:p>
             <a:pPr marL="342900" lvl="0" indent="-342900" algn="l" rtl="0">
@@ -13660,10 +14738,10 @@
               <a:buChar char="•"/>
             </a:pPr>
             <a:r>
-              <a:rPr lang="en-IN"/>
+              <a:rPr lang="en-IN" dirty="0"/>
               <a:t>Contains:</a:t>
             </a:r>
-            <a:endParaRPr/>
+            <a:endParaRPr dirty="0"/>
           </a:p>
           <a:p>
             <a:pPr marL="742950" lvl="1" indent="-285750" algn="l" rtl="0">
@@ -13680,14 +14758,14 @@
               <a:buChar char="–"/>
             </a:pPr>
             <a:r>
-              <a:rPr lang="en-IN" b="1"/>
+              <a:rPr lang="en-IN" b="1" dirty="0"/>
               <a:t>recipes</a:t>
             </a:r>
             <a:r>
-              <a:rPr lang="en-IN"/>
+              <a:rPr lang="en-IN" dirty="0"/>
               <a:t>: all recipes.</a:t>
             </a:r>
-            <a:endParaRPr/>
+            <a:endParaRPr dirty="0"/>
           </a:p>
           <a:p>
             <a:pPr marL="742950" lvl="1" indent="-285750" algn="l" rtl="0">
@@ -13704,14 +14782,14 @@
               <a:buChar char="–"/>
             </a:pPr>
             <a:r>
-              <a:rPr lang="en-IN" b="1"/>
+              <a:rPr lang="en-IN" b="1" dirty="0" err="1"/>
               <a:t>searchedRecipes</a:t>
             </a:r>
             <a:r>
-              <a:rPr lang="en-IN"/>
+              <a:rPr lang="en-IN" dirty="0"/>
               <a:t>: for optimization</a:t>
             </a:r>
-            <a:endParaRPr/>
+            <a:endParaRPr dirty="0"/>
           </a:p>
           <a:p>
             <a:pPr marL="1143000" lvl="2" indent="-228600" algn="l" rtl="0">
@@ -13728,14 +14806,18 @@
               <a:buChar char="•"/>
             </a:pPr>
             <a:r>
-              <a:rPr lang="en-IN" i="1"/>
+              <a:rPr lang="en-IN" i="1" dirty="0" err="1"/>
               <a:t>searchQuery</a:t>
             </a:r>
             <a:r>
-              <a:rPr lang="en-IN"/>
-              <a:t>: preserves searchQuery</a:t>
-            </a:r>
-            <a:endParaRPr/>
+              <a:rPr lang="en-IN" dirty="0"/>
+              <a:t>: preserves </a:t>
+            </a:r>
+            <a:r>
+              <a:rPr lang="en-IN" dirty="0" err="1"/>
+              <a:t>searchQuery</a:t>
+            </a:r>
+            <a:endParaRPr dirty="0" err="1"/>
           </a:p>
           <a:p>
             <a:pPr marL="1143000" lvl="2" indent="-228600" algn="l" rtl="0">
@@ -13752,14 +14834,18 @@
               <a:buChar char="•"/>
             </a:pPr>
             <a:r>
-              <a:rPr lang="en-IN" i="1"/>
+              <a:rPr lang="en-IN" i="1" dirty="0" err="1"/>
               <a:t>searchBy</a:t>
             </a:r>
             <a:r>
-              <a:rPr lang="en-IN"/>
-              <a:t>: preserves searchBy</a:t>
-            </a:r>
-            <a:endParaRPr/>
+              <a:rPr lang="en-IN" dirty="0"/>
+              <a:t>: preserves </a:t>
+            </a:r>
+            <a:r>
+              <a:rPr lang="en-IN" dirty="0" err="1"/>
+              <a:t>searchBy</a:t>
+            </a:r>
+            <a:endParaRPr dirty="0" err="1"/>
           </a:p>
           <a:p>
             <a:pPr marL="1143000" lvl="2" indent="-228600" algn="l" rtl="0">
@@ -13776,38 +14862,30 @@
               <a:buChar char="•"/>
             </a:pPr>
             <a:r>
-              <a:rPr lang="en-IN" i="1"/>
+              <a:rPr lang="en-IN" i="1" dirty="0" err="1"/>
               <a:t>filteredRecipes</a:t>
             </a:r>
             <a:r>
-              <a:rPr lang="en-IN"/>
+              <a:rPr lang="en-IN" dirty="0"/>
               <a:t>: preserves filtered recipes.</a:t>
             </a:r>
-            <a:endParaRPr/>
-          </a:p>
-          <a:p>
-            <a:pPr marL="742950" lvl="1" indent="-285750" algn="l" rtl="0">
+            <a:endParaRPr dirty="0"/>
+          </a:p>
+          <a:p>
+            <a:pPr marL="742950" lvl="1" indent="-285750">
               <a:spcBef>
                 <a:spcPts val="476"/>
               </a:spcBef>
-              <a:spcAft>
-                <a:spcPts val="0"/>
-              </a:spcAft>
-              <a:buClr>
-                <a:schemeClr val="dk1"/>
-              </a:buClr>
               <a:buSzPct val="100000"/>
-              <a:buChar char="–"/>
             </a:pPr>
             <a:r>
-              <a:rPr lang="en-IN" b="1"/>
+              <a:rPr lang="en-IN" b="1" dirty="0" err="1"/>
               <a:t>recipesToView</a:t>
             </a:r>
             <a:r>
-              <a:rPr lang="en-IN"/>
-              <a:t>: recipes that will be visible on page after applying pagination and filters.</a:t>
-            </a:r>
-            <a:endParaRPr/>
+              <a:rPr lang="en-IN" dirty="0"/>
+              <a:t>: recipes that will be visible on page after applying pagination and filters. E.g. there may be 25 total filtered recipes after search but if page can show 10 max and we are on 2nd page then these will be array of 10 recipes from 10-19 of filtered ones.</a:t>
+            </a:r>
           </a:p>
           <a:p>
             <a:pPr marL="342900" lvl="0" indent="-325755" algn="l" rtl="0">
@@ -13821,10 +14899,10 @@
               <a:buChar char="•"/>
             </a:pPr>
             <a:r>
-              <a:rPr lang="en-IN"/>
+              <a:rPr lang="en-IN" dirty="0"/>
               <a:t>Preserving recipes in local storage.</a:t>
             </a:r>
-            <a:endParaRPr/>
+            <a:endParaRPr dirty="0"/>
           </a:p>
         </p:txBody>
       </p:sp>
